--- a/MapReduce 1.pptx
+++ b/MapReduce 1.pptx
@@ -329,7 +329,7 @@
           <a:p>
             <a:fld id="{14683A45-F8BA-5344-98B5-AEC4FD24A110}" type="datetimeFigureOut">
               <a:rPr lang="en-US" smtClean="0"/>
-              <a:t>6/21/17</a:t>
+              <a:t>6/23/17</a:t>
             </a:fld>
             <a:endParaRPr lang="en-US"/>
           </a:p>
@@ -499,7 +499,7 @@
           <a:p>
             <a:fld id="{14683A45-F8BA-5344-98B5-AEC4FD24A110}" type="datetimeFigureOut">
               <a:rPr lang="en-US" smtClean="0"/>
-              <a:t>6/21/17</a:t>
+              <a:t>6/23/17</a:t>
             </a:fld>
             <a:endParaRPr lang="en-US"/>
           </a:p>
@@ -679,7 +679,7 @@
           <a:p>
             <a:fld id="{14683A45-F8BA-5344-98B5-AEC4FD24A110}" type="datetimeFigureOut">
               <a:rPr lang="en-US" smtClean="0"/>
-              <a:t>6/21/17</a:t>
+              <a:t>6/23/17</a:t>
             </a:fld>
             <a:endParaRPr lang="en-US"/>
           </a:p>
@@ -849,7 +849,7 @@
           <a:p>
             <a:fld id="{14683A45-F8BA-5344-98B5-AEC4FD24A110}" type="datetimeFigureOut">
               <a:rPr lang="en-US" smtClean="0"/>
-              <a:t>6/21/17</a:t>
+              <a:t>6/23/17</a:t>
             </a:fld>
             <a:endParaRPr lang="en-US"/>
           </a:p>
@@ -1095,7 +1095,7 @@
           <a:p>
             <a:fld id="{14683A45-F8BA-5344-98B5-AEC4FD24A110}" type="datetimeFigureOut">
               <a:rPr lang="en-US" smtClean="0"/>
-              <a:t>6/21/17</a:t>
+              <a:t>6/23/17</a:t>
             </a:fld>
             <a:endParaRPr lang="en-US"/>
           </a:p>
@@ -1383,7 +1383,7 @@
           <a:p>
             <a:fld id="{14683A45-F8BA-5344-98B5-AEC4FD24A110}" type="datetimeFigureOut">
               <a:rPr lang="en-US" smtClean="0"/>
-              <a:t>6/21/17</a:t>
+              <a:t>6/23/17</a:t>
             </a:fld>
             <a:endParaRPr lang="en-US"/>
           </a:p>
@@ -1805,7 +1805,7 @@
           <a:p>
             <a:fld id="{14683A45-F8BA-5344-98B5-AEC4FD24A110}" type="datetimeFigureOut">
               <a:rPr lang="en-US" smtClean="0"/>
-              <a:t>6/21/17</a:t>
+              <a:t>6/23/17</a:t>
             </a:fld>
             <a:endParaRPr lang="en-US"/>
           </a:p>
@@ -1923,7 +1923,7 @@
           <a:p>
             <a:fld id="{14683A45-F8BA-5344-98B5-AEC4FD24A110}" type="datetimeFigureOut">
               <a:rPr lang="en-US" smtClean="0"/>
-              <a:t>6/21/17</a:t>
+              <a:t>6/23/17</a:t>
             </a:fld>
             <a:endParaRPr lang="en-US"/>
           </a:p>
@@ -2018,7 +2018,7 @@
           <a:p>
             <a:fld id="{14683A45-F8BA-5344-98B5-AEC4FD24A110}" type="datetimeFigureOut">
               <a:rPr lang="en-US" smtClean="0"/>
-              <a:t>6/21/17</a:t>
+              <a:t>6/23/17</a:t>
             </a:fld>
             <a:endParaRPr lang="en-US"/>
           </a:p>
@@ -2295,7 +2295,7 @@
           <a:p>
             <a:fld id="{14683A45-F8BA-5344-98B5-AEC4FD24A110}" type="datetimeFigureOut">
               <a:rPr lang="en-US" smtClean="0"/>
-              <a:t>6/21/17</a:t>
+              <a:t>6/23/17</a:t>
             </a:fld>
             <a:endParaRPr lang="en-US"/>
           </a:p>
@@ -2548,7 +2548,7 @@
           <a:p>
             <a:fld id="{14683A45-F8BA-5344-98B5-AEC4FD24A110}" type="datetimeFigureOut">
               <a:rPr lang="en-US" smtClean="0"/>
-              <a:t>6/21/17</a:t>
+              <a:t>6/23/17</a:t>
             </a:fld>
             <a:endParaRPr lang="en-US"/>
           </a:p>
@@ -2761,7 +2761,7 @@
           <a:p>
             <a:fld id="{14683A45-F8BA-5344-98B5-AEC4FD24A110}" type="datetimeFigureOut">
               <a:rPr lang="en-US" smtClean="0"/>
-              <a:t>6/21/17</a:t>
+              <a:t>6/23/17</a:t>
             </a:fld>
             <a:endParaRPr lang="en-US"/>
           </a:p>
@@ -3270,15 +3270,7 @@
             <a:pPr lvl="1"/>
             <a:r>
               <a:rPr lang="en-US" dirty="0" smtClean="0"/>
-              <a:t>Task trackers – one per </a:t>
-            </a:r>
-            <a:r>
-              <a:rPr lang="en-US" dirty="0" smtClean="0"/>
-              <a:t>cluster host </a:t>
-            </a:r>
-            <a:r>
-              <a:rPr lang="en-US" dirty="0" smtClean="0"/>
-              <a:t>(monitors tasks)</a:t>
+              <a:t>Task trackers – one per cluster host (monitors tasks)</a:t>
             </a:r>
           </a:p>
           <a:p>
@@ -3298,15 +3290,7 @@
             <a:pPr lvl="1"/>
             <a:r>
               <a:rPr lang="en-US" dirty="0" smtClean="0"/>
-              <a:t>Job clients submit jobs for execution – </a:t>
-            </a:r>
-            <a:r>
-              <a:rPr lang="en-US" dirty="0" smtClean="0"/>
-              <a:t>Use GUI, </a:t>
-            </a:r>
-            <a:r>
-              <a:rPr lang="en-US" dirty="0" smtClean="0"/>
-              <a:t>command line, etc.</a:t>
+              <a:t>Job clients submit jobs for execution – Use GUI, command line, etc.</a:t>
             </a:r>
           </a:p>
           <a:p>
@@ -3482,11 +3466,7 @@
           <a:p>
             <a:r>
               <a:rPr lang="en-US" dirty="0" smtClean="0"/>
-              <a:t>MapReduce Coding </a:t>
-            </a:r>
-            <a:r>
-              <a:rPr lang="en-US" dirty="0" smtClean="0"/>
-              <a:t>Patterns</a:t>
+              <a:t>MapReduce Coding Patterns</a:t>
             </a:r>
             <a:endParaRPr lang="en-US" dirty="0"/>
           </a:p>
@@ -3601,19 +3581,17 @@
         <p:spPr/>
         <p:txBody>
           <a:bodyPr>
-            <a:normAutofit fontScale="85000" lnSpcReduction="20000"/>
+            <a:normAutofit fontScale="85000" lnSpcReduction="10000"/>
           </a:bodyPr>
           <a:lstStyle/>
           <a:p>
             <a:r>
               <a:rPr lang="en-US" dirty="0" smtClean="0"/>
-              <a:t>Word count == hello world</a:t>
-            </a:r>
-          </a:p>
-          <a:p>
-            <a:r>
-              <a:rPr lang="en-US" dirty="0" smtClean="0"/>
-              <a:t>Can run in IDE, tool, or command line</a:t>
+              <a:t>Can </a:t>
+            </a:r>
+            <a:r>
+              <a:rPr lang="en-US" dirty="0" smtClean="0"/>
+              <a:t>run in IDE, tool, or command line</a:t>
             </a:r>
           </a:p>
           <a:p>
@@ -3641,8 +3619,13 @@
           <a:p>
             <a:r>
               <a:rPr lang="en-US" dirty="0" smtClean="0"/>
-              <a:t>File system or HDFS</a:t>
-            </a:r>
+              <a:t>File system or </a:t>
+            </a:r>
+            <a:r>
+              <a:rPr lang="en-US" dirty="0" smtClean="0"/>
+              <a:t>HDFS or S3</a:t>
+            </a:r>
+            <a:endParaRPr lang="en-US" dirty="0" smtClean="0"/>
           </a:p>
           <a:p>
             <a:r>
@@ -3896,11 +3879,7 @@
           <a:p>
             <a:r>
               <a:rPr lang="en-US" dirty="0" smtClean="0"/>
-              <a:t>Hint: Use </a:t>
-            </a:r>
-            <a:r>
-              <a:rPr lang="en-US" dirty="0" smtClean="0"/>
-              <a:t>tab to complete commands</a:t>
+              <a:t>Hint: Use tab to complete commands</a:t>
             </a:r>
             <a:endParaRPr lang="en-US" dirty="0"/>
           </a:p>
@@ -3991,7 +3970,7 @@
         </p:nvSpPr>
         <p:spPr>
           <a:xfrm>
-            <a:off x="2141905" y="5879497"/>
+            <a:off x="2141905" y="5667839"/>
             <a:ext cx="4224233" cy="923330"/>
           </a:xfrm>
           <a:prstGeom prst="rect">
@@ -4006,7 +3985,11 @@
           <a:lstStyle/>
           <a:p>
             <a:r>
-              <a:rPr lang="en-US" dirty="0" smtClean="0"/>
+              <a:rPr lang="en-US" dirty="0" smtClean="0">
+                <a:solidFill>
+                  <a:srgbClr val="FF0000"/>
+                </a:solidFill>
+              </a:rPr>
               <a:t>Notes: </a:t>
             </a:r>
           </a:p>
@@ -4016,22 +3999,42 @@
               <a:buChar char="•"/>
             </a:pPr>
             <a:r>
-              <a:rPr lang="en-US" dirty="0" smtClean="0"/>
+              <a:rPr lang="en-US" dirty="0" smtClean="0">
+                <a:solidFill>
+                  <a:srgbClr val="FF0000"/>
+                </a:solidFill>
+              </a:rPr>
               <a:t>Some installations use </a:t>
             </a:r>
             <a:r>
-              <a:rPr lang="en-US" dirty="0" err="1" smtClean="0"/>
+              <a:rPr lang="en-US" dirty="0" err="1" smtClean="0">
+                <a:solidFill>
+                  <a:srgbClr val="FF0000"/>
+                </a:solidFill>
+              </a:rPr>
               <a:t>dfs</a:t>
             </a:r>
             <a:r>
-              <a:rPr lang="en-US" dirty="0" smtClean="0"/>
+              <a:rPr lang="en-US" dirty="0" smtClean="0">
+                <a:solidFill>
+                  <a:srgbClr val="FF0000"/>
+                </a:solidFill>
+              </a:rPr>
               <a:t> rather than </a:t>
             </a:r>
             <a:r>
-              <a:rPr lang="en-US" dirty="0" err="1" smtClean="0"/>
+              <a:rPr lang="en-US" dirty="0" err="1" smtClean="0">
+                <a:solidFill>
+                  <a:srgbClr val="FF0000"/>
+                </a:solidFill>
+              </a:rPr>
               <a:t>fs</a:t>
             </a:r>
-            <a:endParaRPr lang="en-US" dirty="0" smtClean="0"/>
+            <a:endParaRPr lang="en-US" dirty="0" smtClean="0">
+              <a:solidFill>
+                <a:srgbClr val="FF0000"/>
+              </a:solidFill>
+            </a:endParaRPr>
           </a:p>
           <a:p>
             <a:pPr marL="285750" indent="-285750">
@@ -4039,22 +4042,42 @@
               <a:buChar char="•"/>
             </a:pPr>
             <a:r>
-              <a:rPr lang="en-US" dirty="0" smtClean="0"/>
+              <a:rPr lang="en-US" dirty="0" smtClean="0">
+                <a:solidFill>
+                  <a:srgbClr val="FF0000"/>
+                </a:solidFill>
+              </a:rPr>
               <a:t>Old style uses </a:t>
             </a:r>
             <a:r>
-              <a:rPr lang="en-US" dirty="0" err="1" smtClean="0"/>
+              <a:rPr lang="en-US" dirty="0" err="1" smtClean="0">
+                <a:solidFill>
+                  <a:srgbClr val="FF0000"/>
+                </a:solidFill>
+              </a:rPr>
               <a:t>hdfs</a:t>
             </a:r>
             <a:r>
-              <a:rPr lang="en-US" dirty="0" smtClean="0"/>
+              <a:rPr lang="en-US" dirty="0" smtClean="0">
+                <a:solidFill>
+                  <a:srgbClr val="FF0000"/>
+                </a:solidFill>
+              </a:rPr>
               <a:t> rather than </a:t>
             </a:r>
             <a:r>
-              <a:rPr lang="en-US" dirty="0" err="1" smtClean="0"/>
+              <a:rPr lang="en-US" dirty="0" err="1" smtClean="0">
+                <a:solidFill>
+                  <a:srgbClr val="FF0000"/>
+                </a:solidFill>
+              </a:rPr>
               <a:t>hadoop</a:t>
             </a:r>
-            <a:endParaRPr lang="en-US" dirty="0"/>
+            <a:endParaRPr lang="en-US" dirty="0">
+              <a:solidFill>
+                <a:srgbClr val="FF0000"/>
+              </a:solidFill>
+            </a:endParaRPr>
           </a:p>
         </p:txBody>
       </p:sp>
@@ -4231,15 +4254,15 @@
               <a:t> VM Terminal: </a:t>
             </a:r>
             <a:r>
-              <a:rPr lang="en-US" dirty="0" err="1" smtClean="0"/>
+              <a:rPr lang="en-US" i="1" dirty="0" err="1" smtClean="0"/>
               <a:t>head|tail</a:t>
             </a:r>
             <a:r>
-              <a:rPr lang="en-US" dirty="0" smtClean="0"/>
+              <a:rPr lang="en-US" i="1" dirty="0" smtClean="0"/>
               <a:t/>
             </a:r>
             <a:br>
-              <a:rPr lang="en-US" dirty="0" smtClean="0"/>
+              <a:rPr lang="en-US" i="1" dirty="0" smtClean="0"/>
             </a:br>
             <a:r>
               <a:rPr lang="en-US" dirty="0" smtClean="0"/>
@@ -4547,7 +4570,6 @@
               <a:rPr lang="en-US" dirty="0" smtClean="0"/>
               <a:t>Originally created at Google </a:t>
             </a:r>
-            <a:endParaRPr lang="en-US" dirty="0" smtClean="0"/>
           </a:p>
           <a:p>
             <a:pPr lvl="1"/>
@@ -4717,6 +4739,9 @@
             <a:avLst/>
           </a:prstGeom>
           <a:ln>
+            <a:solidFill>
+              <a:srgbClr val="FF0000"/>
+            </a:solidFill>
             <a:tailEnd type="arrow"/>
           </a:ln>
         </p:spPr>
@@ -5087,15 +5112,7 @@
             </a:r>
             <a:r>
               <a:rPr lang="en-US" dirty="0" smtClean="0"/>
-              <a:t> </a:t>
-            </a:r>
-            <a:r>
-              <a:rPr lang="en-US" dirty="0" smtClean="0"/>
-              <a:t>Dashboard </a:t>
-            </a:r>
-            <a:r>
-              <a:rPr lang="en-US" dirty="0" smtClean="0"/>
-              <a:t>– Job Status</a:t>
+              <a:t> Dashboard – Job Status</a:t>
             </a:r>
             <a:endParaRPr lang="en-US" dirty="0"/>
           </a:p>
@@ -5459,11 +5476,7 @@
           <a:p>
             <a:r>
               <a:rPr lang="en-US" dirty="0" smtClean="0"/>
-              <a:t>Developers focus on map and reduce, can override </a:t>
-            </a:r>
-            <a:r>
-              <a:rPr lang="en-US" dirty="0" smtClean="0"/>
-              <a:t>defaults</a:t>
+              <a:t>Developers focus on map and reduce, can override defaults</a:t>
             </a:r>
             <a:endParaRPr lang="en-US" dirty="0"/>
           </a:p>
@@ -5687,8 +5700,21 @@
             <a:pPr lvl="1"/>
             <a:r>
               <a:rPr lang="en-US" dirty="0" smtClean="0"/>
-              <a:t>Execute the Map(key, value) function on data</a:t>
-            </a:r>
+              <a:t>Execute the Map(key, value) function </a:t>
+            </a:r>
+            <a:r>
+              <a:rPr lang="en-US" dirty="0" smtClean="0"/>
+              <a:t>to </a:t>
+            </a:r>
+            <a:r>
+              <a:rPr lang="en-US" i="1" dirty="0" smtClean="0"/>
+              <a:t>transform</a:t>
+            </a:r>
+            <a:r>
+              <a:rPr lang="en-US" dirty="0" smtClean="0"/>
+              <a:t> data</a:t>
+            </a:r>
+            <a:endParaRPr lang="en-US" dirty="0" smtClean="0"/>
           </a:p>
           <a:p>
             <a:pPr lvl="1"/>
@@ -5701,30 +5727,14 @@
             <a:pPr lvl="1"/>
             <a:r>
               <a:rPr lang="en-US" dirty="0" smtClean="0"/>
-              <a:t>If node goes, </a:t>
-            </a:r>
-            <a:r>
-              <a:rPr lang="en-US" dirty="0" smtClean="0"/>
-              <a:t>its restarted </a:t>
-            </a:r>
-            <a:r>
-              <a:rPr lang="en-US" dirty="0" smtClean="0"/>
-              <a:t>on another node</a:t>
+              <a:t>If node goes, its restarted on another node</a:t>
             </a:r>
           </a:p>
           <a:p>
             <a:pPr lvl="1"/>
             <a:r>
               <a:rPr lang="en-US" dirty="0" smtClean="0"/>
-              <a:t>Bring </a:t>
-            </a:r>
-            <a:r>
-              <a:rPr lang="en-US" dirty="0" smtClean="0"/>
-              <a:t>computation to </a:t>
-            </a:r>
-            <a:r>
-              <a:rPr lang="en-US" dirty="0" smtClean="0"/>
-              <a:t>data </a:t>
+              <a:t>Bring computation to data </a:t>
             </a:r>
             <a:r>
               <a:rPr lang="en-US" i="1" dirty="0" smtClean="0"/>
@@ -5732,31 +5742,22 @@
             </a:r>
             <a:r>
               <a:rPr lang="en-US" dirty="0" smtClean="0"/>
-              <a:t> </a:t>
-            </a:r>
-            <a:r>
-              <a:rPr lang="en-US" dirty="0" smtClean="0"/>
-              <a:t>bringing the data </a:t>
-            </a:r>
-            <a:r>
-              <a:rPr lang="en-US" dirty="0" smtClean="0"/>
-              <a:t>to </a:t>
-            </a:r>
-            <a:r>
-              <a:rPr lang="en-US" dirty="0" smtClean="0"/>
-              <a:t>the computation.</a:t>
-            </a:r>
-            <a:endParaRPr lang="en-US" dirty="0" smtClean="0"/>
+              <a:t> bringing the data to the computation.</a:t>
+            </a:r>
           </a:p>
           <a:p>
             <a:pPr lvl="1"/>
             <a:r>
               <a:rPr lang="en-US" dirty="0" smtClean="0"/>
-              <a:t>Output(key’, value’*) pairs on each </a:t>
-            </a:r>
-            <a:r>
-              <a:rPr lang="en-US" dirty="0" smtClean="0"/>
-              <a:t>node</a:t>
+              <a:t>Output(key’, value</a:t>
+            </a:r>
+            <a:r>
+              <a:rPr lang="en-US" dirty="0" smtClean="0"/>
+              <a:t>’) </a:t>
+            </a:r>
+            <a:r>
+              <a:rPr lang="en-US" dirty="0" smtClean="0"/>
+              <a:t>pairs on each node</a:t>
             </a:r>
           </a:p>
           <a:p>
@@ -5788,11 +5789,7 @@
             <a:pPr lvl="1"/>
             <a:r>
               <a:rPr lang="en-US" dirty="0" smtClean="0"/>
-              <a:t>Executes </a:t>
-            </a:r>
-            <a:r>
-              <a:rPr lang="en-US" dirty="0" smtClean="0"/>
-              <a:t>on some of the nodes</a:t>
+              <a:t>Executes on some of the nodes</a:t>
             </a:r>
           </a:p>
           <a:p>
@@ -5820,13 +5817,16 @@
         </p:nvCxnSpPr>
         <p:spPr>
           <a:xfrm flipH="1">
-            <a:off x="2355777" y="3727925"/>
+            <a:off x="2278958" y="3948118"/>
             <a:ext cx="153638" cy="440387"/>
           </a:xfrm>
           <a:prstGeom prst="straightConnector1">
             <a:avLst/>
           </a:prstGeom>
           <a:ln>
+            <a:solidFill>
+              <a:srgbClr val="FF0000"/>
+            </a:solidFill>
             <a:tailEnd type="arrow"/>
           </a:ln>
         </p:spPr>
@@ -6234,11 +6234,7 @@
             <a:pPr lvl="1"/>
             <a:r>
               <a:rPr lang="en-US" sz="2400" dirty="0" smtClean="0"/>
-              <a:t>Writable</a:t>
-            </a:r>
-            <a:r>
-              <a:rPr lang="en-US" sz="2400" dirty="0" smtClean="0"/>
-              <a:t>/write comparable</a:t>
+              <a:t>Writable/write comparable</a:t>
             </a:r>
           </a:p>
           <a:p>
@@ -6330,7 +6326,6 @@
               <a:rPr lang="en-US" sz="2400" dirty="0"/>
               <a:t>data output by either the Mapper or the Reducer i.e. intermediate outputs or the output of the job.</a:t>
             </a:r>
-            <a:endParaRPr lang="en-US" sz="2400" dirty="0"/>
           </a:p>
         </p:txBody>
       </p:sp>
@@ -6399,7 +6394,7 @@
         </p:nvSpPr>
         <p:spPr>
           <a:xfrm>
-            <a:off x="457200" y="1600200"/>
+            <a:off x="457200" y="5832718"/>
             <a:ext cx="8229600" cy="796323"/>
           </a:xfrm>
         </p:spPr>
@@ -6411,7 +6406,11 @@
           <a:p>
             <a:r>
               <a:rPr lang="en-US" sz="2800" dirty="0" smtClean="0"/>
-              <a:t>Can also write custom writable data type</a:t>
+              <a:t>Note: Can </a:t>
+            </a:r>
+            <a:r>
+              <a:rPr lang="en-US" sz="2800" dirty="0" smtClean="0"/>
+              <a:t>also write custom writable data type</a:t>
             </a:r>
             <a:endParaRPr lang="en-US" sz="2800" dirty="0"/>
           </a:p>
@@ -6433,7 +6432,7 @@
         </p:blipFill>
         <p:spPr>
           <a:xfrm>
-            <a:off x="304800" y="2396523"/>
+            <a:off x="360505" y="1917503"/>
             <a:ext cx="8382000" cy="3429000"/>
           </a:xfrm>
           <a:prstGeom prst="rect">
@@ -6518,6 +6517,62 @@
           </a:prstGeom>
         </p:spPr>
       </p:pic>
+      <p:sp>
+        <p:nvSpPr>
+          <p:cNvPr id="3" name="TextBox 2"/>
+          <p:cNvSpPr txBox="1"/>
+          <p:nvPr/>
+        </p:nvSpPr>
+        <p:spPr>
+          <a:xfrm>
+            <a:off x="2182937" y="5541242"/>
+            <a:ext cx="4748904" cy="646331"/>
+          </a:xfrm>
+          <a:prstGeom prst="rect">
+            <a:avLst/>
+          </a:prstGeom>
+          <a:noFill/>
+        </p:spPr>
+        <p:txBody>
+          <a:bodyPr wrap="none" rtlCol="0">
+            <a:spAutoFit/>
+          </a:bodyPr>
+          <a:lstStyle/>
+          <a:p>
+            <a:r>
+              <a:rPr lang="en-US" i="1" dirty="0" err="1" smtClean="0">
+                <a:solidFill>
+                  <a:srgbClr val="FF0000"/>
+                </a:solidFill>
+              </a:rPr>
+              <a:t>SequenceFileInputFormat</a:t>
+            </a:r>
+            <a:r>
+              <a:rPr lang="en-US" dirty="0" smtClean="0">
+                <a:solidFill>
+                  <a:srgbClr val="FF0000"/>
+                </a:solidFill>
+              </a:rPr>
+              <a:t>: Serialized binary files, </a:t>
+            </a:r>
+          </a:p>
+          <a:p>
+            <a:r>
+              <a:rPr lang="en-US" dirty="0" smtClean="0">
+                <a:solidFill>
+                  <a:srgbClr val="FF0000"/>
+                </a:solidFill>
+              </a:rPr>
+              <a:t>different formats and compression available</a:t>
+            </a:r>
+            <a:endParaRPr lang="en-US" dirty="0">
+              <a:solidFill>
+                <a:srgbClr val="FF0000"/>
+              </a:solidFill>
+            </a:endParaRPr>
+          </a:p>
+        </p:txBody>
+      </p:sp>
     </p:spTree>
     <p:extLst>
       <p:ext uri="{BB962C8B-B14F-4D97-AF65-F5344CB8AC3E}">
@@ -6808,23 +6863,15 @@
             <a:pPr lvl="1"/>
             <a:r>
               <a:rPr lang="en-US" dirty="0" smtClean="0"/>
-              <a:t>kills </a:t>
-            </a:r>
-            <a:r>
-              <a:rPr lang="en-US" dirty="0" smtClean="0"/>
-              <a:t>long-running </a:t>
-            </a:r>
-            <a:r>
-              <a:rPr lang="en-US" dirty="0" smtClean="0"/>
-              <a:t>jobs, and (</a:t>
-            </a:r>
-            <a:r>
-              <a:rPr lang="en-US" dirty="0" err="1" smtClean="0"/>
-              <a:t>trys</a:t>
-            </a:r>
-            <a:r>
-              <a:rPr lang="en-US" dirty="0" smtClean="0"/>
-              <a:t>) restarts</a:t>
+              <a:t>kills long-running jobs, and </a:t>
+            </a:r>
+            <a:r>
+              <a:rPr lang="en-US" dirty="0" smtClean="0"/>
+              <a:t>(tries) </a:t>
+            </a:r>
+            <a:r>
+              <a:rPr lang="en-US" dirty="0" smtClean="0"/>
+              <a:t>restarts</a:t>
             </a:r>
             <a:endParaRPr lang="en-US" dirty="0"/>
           </a:p>
@@ -7036,7 +7083,23 @@
             </a:pPr>
             <a:r>
               <a:rPr lang="en-US" dirty="0" smtClean="0"/>
-              <a:t>Programmer provides Map and Reduce functions</a:t>
+              <a:t>Programmer provides </a:t>
+            </a:r>
+            <a:r>
+              <a:rPr lang="en-US" i="1" dirty="0" smtClean="0"/>
+              <a:t>Map</a:t>
+            </a:r>
+            <a:r>
+              <a:rPr lang="en-US" dirty="0" smtClean="0"/>
+              <a:t> and </a:t>
+            </a:r>
+            <a:r>
+              <a:rPr lang="en-US" i="1" dirty="0" smtClean="0"/>
+              <a:t>Reduce</a:t>
+            </a:r>
+            <a:r>
+              <a:rPr lang="en-US" dirty="0" smtClean="0"/>
+              <a:t> functions</a:t>
             </a:r>
           </a:p>
           <a:p>
@@ -7046,7 +7109,19 @@
             </a:pPr>
             <a:r>
               <a:rPr lang="en-US" dirty="0" smtClean="0"/>
-              <a:t>Data is sorted as part of shuffle step to reducer</a:t>
+              <a:t>Data is sorted as part of shuffle </a:t>
+            </a:r>
+            <a:r>
+              <a:rPr lang="en-US" i="1" dirty="0" smtClean="0"/>
+              <a:t>step</a:t>
+            </a:r>
+            <a:r>
+              <a:rPr lang="en-US" dirty="0" smtClean="0"/>
+              <a:t> to </a:t>
+            </a:r>
+            <a:r>
+              <a:rPr lang="en-US" i="1" dirty="0" smtClean="0"/>
+              <a:t>reducer</a:t>
             </a:r>
           </a:p>
           <a:p>
@@ -7055,8 +7130,12 @@
               <a:buChar char="•"/>
             </a:pPr>
             <a:r>
-              <a:rPr lang="en-US" dirty="0" smtClean="0"/>
-              <a:t>Shuffle step provided by the framework</a:t>
+              <a:rPr lang="en-US" i="1" dirty="0" smtClean="0"/>
+              <a:t>Shuffle</a:t>
+            </a:r>
+            <a:r>
+              <a:rPr lang="en-US" dirty="0" smtClean="0"/>
+              <a:t> step provided by the framework</a:t>
             </a:r>
           </a:p>
           <a:p>
@@ -7154,31 +7233,34 @@
           <a:p>
             <a:r>
               <a:rPr lang="en-US" sz="2800" dirty="0" smtClean="0"/>
-              <a:t>Ways to </a:t>
-            </a:r>
-            <a:r>
-              <a:rPr lang="en-US" sz="2800" dirty="0" smtClean="0"/>
-              <a:t>use MapReduce</a:t>
-            </a:r>
-            <a:r>
-              <a:rPr lang="en-US" sz="2800" dirty="0" smtClean="0"/>
-              <a:t/>
+              <a:t>Ways to use MapReduce</a:t>
             </a:r>
             <a:br>
               <a:rPr lang="en-US" sz="2800" dirty="0" smtClean="0"/>
             </a:br>
             <a:r>
-              <a:rPr lang="en-US" sz="2400" dirty="0" smtClean="0"/>
-              <a:t>Need to determine what level of abstraction you want to work at</a:t>
+              <a:rPr lang="en-US" sz="2800" dirty="0" smtClean="0"/>
+              <a:t/>
             </a:r>
             <a:br>
-              <a:rPr lang="en-US" sz="2400" dirty="0" smtClean="0"/>
+              <a:rPr lang="en-US" sz="2800" dirty="0" smtClean="0"/>
             </a:br>
             <a:r>
-              <a:rPr lang="en-US" sz="2400" dirty="0" smtClean="0"/>
+              <a:rPr lang="en-US" sz="2400" i="1" dirty="0" smtClean="0"/>
+              <a:t>Need </a:t>
+            </a:r>
+            <a:r>
+              <a:rPr lang="en-US" sz="2400" i="1" dirty="0" smtClean="0"/>
+              <a:t>to determine what level of abstraction you want to work at</a:t>
+            </a:r>
+            <a:br>
+              <a:rPr lang="en-US" sz="2400" i="1" dirty="0" smtClean="0"/>
+            </a:br>
+            <a:r>
+              <a:rPr lang="en-US" sz="2400" i="1" dirty="0" smtClean="0"/>
               <a:t>Java gives you a lot of control</a:t>
             </a:r>
-            <a:endParaRPr lang="en-US" sz="2400" dirty="0"/>
+            <a:endParaRPr lang="en-US" sz="2400" i="1" dirty="0"/>
           </a:p>
         </p:txBody>
       </p:sp>
@@ -7736,20 +7818,6 @@
           <a:p>
             <a:r>
               <a:rPr lang="en-US" dirty="0" smtClean="0"/>
-              <a:t>Relatively </a:t>
-            </a:r>
-            <a:r>
-              <a:rPr lang="en-US" dirty="0" smtClean="0"/>
-              <a:t>easy to </a:t>
-            </a:r>
-            <a:r>
-              <a:rPr lang="en-US" dirty="0" smtClean="0"/>
-              <a:t>understand</a:t>
-            </a:r>
-          </a:p>
-          <a:p>
-            <a:r>
-              <a:rPr lang="en-US" dirty="0" smtClean="0"/>
               <a:t>Distributed</a:t>
             </a:r>
             <a:r>
@@ -7760,25 +7828,17 @@
           <a:p>
             <a:r>
               <a:rPr lang="en-US" dirty="0" smtClean="0"/>
-              <a:t>Lends itself to parallel processing, runs on each node, no shared data</a:t>
-            </a:r>
-          </a:p>
-          <a:p>
-            <a:r>
-              <a:rPr lang="en-US" dirty="0" smtClean="0"/>
-              <a:t>MapReduce 2.0/YARN </a:t>
-            </a:r>
-            <a:r>
-              <a:rPr lang="en-US" dirty="0" smtClean="0"/>
-              <a:t>builds </a:t>
-            </a:r>
-            <a:r>
-              <a:rPr lang="en-US" dirty="0" smtClean="0"/>
-              <a:t>on MapReduce </a:t>
-            </a:r>
-            <a:r>
-              <a:rPr lang="en-US" dirty="0" smtClean="0"/>
-              <a:t>1.0</a:t>
+              <a:t>Lends itself to parallel processing, runs on each node, </a:t>
+            </a:r>
+            <a:r>
+              <a:rPr lang="en-US" i="1" dirty="0" smtClean="0"/>
+              <a:t>no shared data</a:t>
+            </a:r>
+          </a:p>
+          <a:p>
+            <a:r>
+              <a:rPr lang="en-US" dirty="0" smtClean="0"/>
+              <a:t>MapReduce 2.0/YARN builds on MapReduce 1.0</a:t>
             </a:r>
           </a:p>
           <a:p>
@@ -7790,7 +7850,6 @@
               <a:rPr lang="en-US" dirty="0" smtClean="0"/>
               <a:t>development</a:t>
             </a:r>
-            <a:endParaRPr lang="en-US" dirty="0" smtClean="0"/>
           </a:p>
           <a:p>
             <a:r>
@@ -7821,8 +7880,21 @@
             <a:pPr lvl="1"/>
             <a:r>
               <a:rPr lang="en-US" dirty="0" smtClean="0"/>
-              <a:t>Parallel via Map (local) and Reduce (aggregated)</a:t>
-            </a:r>
+              <a:t>Parallel via Map (local) and Reduce (aggregated</a:t>
+            </a:r>
+            <a:r>
+              <a:rPr lang="en-US" dirty="0" smtClean="0"/>
+              <a:t>)</a:t>
+            </a:r>
+          </a:p>
+          <a:p>
+            <a:r>
+              <a:rPr lang="en-US" dirty="0"/>
+              <a:t>Relatively easy to understand</a:t>
+            </a:r>
+          </a:p>
+          <a:p>
+            <a:pPr lvl="1"/>
             <a:endParaRPr lang="en-US" dirty="0"/>
           </a:p>
         </p:txBody>
@@ -7974,11 +8046,7 @@
             <a:pPr lvl="1"/>
             <a:r>
               <a:rPr lang="en-US" sz="2000" dirty="0" smtClean="0"/>
-              <a:t>The equivalent of a complex SQL 	query has to be broken into multiple </a:t>
-            </a:r>
-            <a:r>
-              <a:rPr lang="en-US" sz="2000" dirty="0" smtClean="0"/>
-              <a:t>steps/jobs/applications</a:t>
+              <a:t>The equivalent of a complex SQL 	query has to be broken into multiple steps/jobs/applications</a:t>
             </a:r>
             <a:endParaRPr lang="en-US" sz="2000" dirty="0"/>
           </a:p>
@@ -8057,10 +8125,14 @@
           <a:p>
             <a:r>
               <a:rPr lang="en-US" sz="2400" dirty="0" smtClean="0"/>
-              <a:t>Word count: Hello World for MapReduce</a:t>
+              <a:t>Word count: </a:t>
+            </a:r>
+            <a:r>
+              <a:rPr lang="en-US" sz="2400" i="1" dirty="0" smtClean="0"/>
+              <a:t>Hello World for MapReduce</a:t>
             </a:r>
             <a:br>
-              <a:rPr lang="en-US" sz="2400" dirty="0" smtClean="0"/>
+              <a:rPr lang="en-US" sz="2400" i="1" dirty="0" smtClean="0"/>
             </a:br>
             <a:r>
               <a:rPr lang="en-US" sz="2400" dirty="0" smtClean="0"/>
@@ -8096,7 +8168,15 @@
             <a:pPr lvl="1"/>
             <a:r>
               <a:rPr lang="en-US" dirty="0" smtClean="0"/>
-              <a:t>How much wood could a woodchuck chuck if a woodchuck cold chuck wood?</a:t>
+              <a:t>How much wood could a woodchuck chuck if a woodchuck </a:t>
+            </a:r>
+            <a:r>
+              <a:rPr lang="en-US" dirty="0" smtClean="0"/>
+              <a:t>could </a:t>
+            </a:r>
+            <a:r>
+              <a:rPr lang="en-US" dirty="0" smtClean="0"/>
+              <a:t>chuck wood?</a:t>
             </a:r>
           </a:p>
           <a:p>
@@ -8110,13 +8190,8 @@
             <a:pPr lvl="1"/>
             <a:r>
               <a:rPr lang="en-US" dirty="0" smtClean="0"/>
-              <a:t>List of </a:t>
-            </a:r>
-            <a:r>
-              <a:rPr lang="en-US" dirty="0" smtClean="0"/>
-              <a:t>words (example above)</a:t>
-            </a:r>
-            <a:endParaRPr lang="en-US" dirty="0" smtClean="0"/>
+              <a:t>List of words (example above)</a:t>
+            </a:r>
           </a:p>
           <a:p>
             <a:r>
@@ -8128,7 +8203,55 @@
             <a:pPr lvl="1"/>
             <a:r>
               <a:rPr lang="en-US" dirty="0" smtClean="0"/>
-              <a:t>{how, 1; much:1, wood,2; could,2; a;2; woodchuck,2; chuck,2; if,1}</a:t>
+              <a:t>{how, 1; </a:t>
+            </a:r>
+            <a:r>
+              <a:rPr lang="en-US" dirty="0" smtClean="0"/>
+              <a:t>much, 1</a:t>
+            </a:r>
+            <a:r>
+              <a:rPr lang="en-US" dirty="0"/>
+              <a:t>;</a:t>
+            </a:r>
+            <a:r>
+              <a:rPr lang="en-US" dirty="0" smtClean="0"/>
+              <a:t> </a:t>
+            </a:r>
+            <a:r>
+              <a:rPr lang="en-US" dirty="0" smtClean="0"/>
+              <a:t>wood</a:t>
+            </a:r>
+            <a:r>
+              <a:rPr lang="en-US" dirty="0" smtClean="0"/>
+              <a:t>, 2</a:t>
+            </a:r>
+            <a:r>
+              <a:rPr lang="en-US" dirty="0" smtClean="0"/>
+              <a:t>; could</a:t>
+            </a:r>
+            <a:r>
+              <a:rPr lang="en-US" dirty="0" smtClean="0"/>
+              <a:t>, 2</a:t>
+            </a:r>
+            <a:r>
+              <a:rPr lang="en-US" dirty="0" smtClean="0"/>
+              <a:t>; </a:t>
+            </a:r>
+            <a:r>
+              <a:rPr lang="en-US" dirty="0" smtClean="0"/>
+              <a:t>a, 2</a:t>
+            </a:r>
+            <a:r>
+              <a:rPr lang="en-US" dirty="0" smtClean="0"/>
+              <a:t>; woodchuck,2; chuck</a:t>
+            </a:r>
+            <a:r>
+              <a:rPr lang="en-US" dirty="0" smtClean="0"/>
+              <a:t>, 2</a:t>
+            </a:r>
+            <a:r>
+              <a:rPr lang="en-US" dirty="0" smtClean="0"/>
+              <a:t>; if,1}</a:t>
             </a:r>
           </a:p>
           <a:p>
@@ -8203,12 +8326,23 @@
             </a:br>
             <a:r>
               <a:rPr lang="en-US" sz="2400" dirty="0" smtClean="0"/>
-              <a:t>Need to look at code with respect to correctness and performance</a:t>
+              <a:t/>
             </a:r>
             <a:br>
               <a:rPr lang="en-US" sz="2400" dirty="0" smtClean="0"/>
             </a:br>
-            <a:endParaRPr lang="en-US" sz="2400" dirty="0"/>
+            <a:r>
+              <a:rPr lang="en-US" sz="2400" i="1" dirty="0" smtClean="0"/>
+              <a:t>Need </a:t>
+            </a:r>
+            <a:r>
+              <a:rPr lang="en-US" sz="2400" i="1" dirty="0" smtClean="0"/>
+              <a:t>to look at code with respect to correctness and performance</a:t>
+            </a:r>
+            <a:br>
+              <a:rPr lang="en-US" sz="2400" i="1" dirty="0" smtClean="0"/>
+            </a:br>
+            <a:endParaRPr lang="en-US" sz="2400" i="1" dirty="0"/>
           </a:p>
         </p:txBody>
       </p:sp>
@@ -8233,12 +8367,12 @@
               <a:buNone/>
             </a:pPr>
             <a:r>
-              <a:rPr lang="en-US" sz="2400" dirty="0"/>
-              <a:t>m</a:t>
-            </a:r>
-            <a:r>
               <a:rPr lang="en-US" sz="2400" dirty="0" smtClean="0"/>
-              <a:t>apper(filename, file-contents)</a:t>
+              <a:t>map(</a:t>
+            </a:r>
+            <a:r>
+              <a:rPr lang="en-US" sz="2400" dirty="0" smtClean="0"/>
+              <a:t>filename, file-contents)</a:t>
             </a:r>
           </a:p>
           <a:p>
@@ -8278,12 +8412,12 @@
               <a:buNone/>
             </a:pPr>
             <a:r>
-              <a:rPr lang="en-US" sz="2400" dirty="0"/>
-              <a:t>r</a:t>
-            </a:r>
-            <a:r>
               <a:rPr lang="en-US" sz="2400" dirty="0" smtClean="0"/>
-              <a:t>educer(word, values)</a:t>
+              <a:t>reduce(</a:t>
+            </a:r>
+            <a:r>
+              <a:rPr lang="en-US" sz="2400" dirty="0" smtClean="0"/>
+              <a:t>word, values)</a:t>
             </a:r>
           </a:p>
           <a:p>
